--- a/slides/cms-demo-v5.pptx
+++ b/slides/cms-demo-v5.pptx
@@ -9248,7 +9248,7 @@
           <a:graphicData uri="http://schemas.openxmlformats.org/presentationml/2006/ole">
             <mc:AlternateContent xmlns:mc="http://schemas.openxmlformats.org/markup-compatibility/2006">
               <mc:Choice xmlns:v="urn:schemas-microsoft-com:vml" Requires="v">
-                <p:oleObj spid="_x0000_s4111" name="Visio" r:id="rId3" imgW="4296601" imgH="3470883" progId="Visio.Drawing.11">
+                <p:oleObj spid="_x0000_s4114" name="Visio" r:id="rId3" imgW="4296601" imgH="3470883" progId="Visio.Drawing.11">
                   <p:embed/>
                 </p:oleObj>
               </mc:Choice>
@@ -10148,11 +10148,7 @@
             <a:p>
               <a:r>
                 <a:rPr lang="en-US" altLang="zh-CN" dirty="0" smtClean="0"/>
-                <a:t>User </a:t>
-              </a:r>
-              <a:r>
-                <a:rPr lang="en-US" altLang="zh-CN" dirty="0" smtClean="0"/>
-                <a:t>Requests</a:t>
+                <a:t>User Requests</a:t>
               </a:r>
               <a:endParaRPr lang="zh-CN" altLang="en-US" dirty="0"/>
             </a:p>
@@ -11838,7 +11834,7 @@
           <a:graphicData uri="http://schemas.openxmlformats.org/presentationml/2006/ole">
             <mc:AlternateContent xmlns:mc="http://schemas.openxmlformats.org/markup-compatibility/2006">
               <mc:Choice xmlns:v="urn:schemas-microsoft-com:vml" Requires="v">
-                <p:oleObj spid="_x0000_s5135" name="Visio" r:id="rId3" imgW="4296601" imgH="3470883" progId="Visio.Drawing.11">
+                <p:oleObj spid="_x0000_s5138" name="Visio" r:id="rId3" imgW="4296601" imgH="3470883" progId="Visio.Drawing.11">
                   <p:embed/>
                 </p:oleObj>
               </mc:Choice>
@@ -12317,7 +12313,7 @@
           <a:graphicData uri="http://schemas.openxmlformats.org/presentationml/2006/ole">
             <mc:AlternateContent xmlns:mc="http://schemas.openxmlformats.org/markup-compatibility/2006">
               <mc:Choice xmlns:v="urn:schemas-microsoft-com:vml" Requires="v">
-                <p:oleObj spid="_x0000_s6159" name="Visio" r:id="rId3" imgW="4296601" imgH="3470883" progId="Visio.Drawing.11">
+                <p:oleObj spid="_x0000_s6162" name="Visio" r:id="rId3" imgW="4296601" imgH="3470883" progId="Visio.Drawing.11">
                   <p:embed/>
                 </p:oleObj>
               </mc:Choice>
@@ -13797,11 +13793,7 @@
             <a:p>
               <a:r>
                 <a:rPr lang="en-US" altLang="zh-CN" dirty="0" smtClean="0"/>
-                <a:t>Schedule </a:t>
-              </a:r>
-              <a:r>
-                <a:rPr lang="en-US" altLang="zh-CN" dirty="0" smtClean="0"/>
-                <a:t>Decisions</a:t>
+                <a:t>Schedule Decisions</a:t>
               </a:r>
               <a:endParaRPr lang="zh-CN" altLang="en-US" dirty="0"/>
             </a:p>
@@ -14311,7 +14303,7 @@
           <a:graphicData uri="http://schemas.openxmlformats.org/presentationml/2006/ole">
             <mc:AlternateContent xmlns:mc="http://schemas.openxmlformats.org/markup-compatibility/2006">
               <mc:Choice xmlns:v="urn:schemas-microsoft-com:vml" Requires="v">
-                <p:oleObj spid="_x0000_s7183" name="Visio" r:id="rId4" imgW="4296601" imgH="3470883" progId="Visio.Drawing.11">
+                <p:oleObj spid="_x0000_s7186" name="Visio" r:id="rId4" imgW="4296601" imgH="3470883" progId="Visio.Drawing.11">
                   <p:embed/>
                 </p:oleObj>
               </mc:Choice>
@@ -16223,11 +16215,7 @@
             <a:p>
               <a:r>
                 <a:rPr lang="en-US" altLang="zh-CN" dirty="0" smtClean="0"/>
-                <a:t>TEN </a:t>
-              </a:r>
-              <a:r>
-                <a:rPr lang="en-US" altLang="zh-CN" dirty="0" smtClean="0"/>
-                <a:t>instruction</a:t>
+                <a:t>TEN instruction</a:t>
               </a:r>
               <a:endParaRPr lang="zh-CN" altLang="en-US" dirty="0"/>
             </a:p>
@@ -16808,7 +16796,7 @@
           <a:graphicData uri="http://schemas.openxmlformats.org/presentationml/2006/ole">
             <mc:AlternateContent xmlns:mc="http://schemas.openxmlformats.org/markup-compatibility/2006">
               <mc:Choice xmlns:v="urn:schemas-microsoft-com:vml" Requires="v">
-                <p:oleObj spid="_x0000_s8207" name="Visio" r:id="rId3" imgW="4296601" imgH="3470883" progId="Visio.Drawing.11">
+                <p:oleObj spid="_x0000_s8210" name="Visio" r:id="rId3" imgW="4296601" imgH="3470883" progId="Visio.Drawing.11">
                   <p:embed/>
                 </p:oleObj>
               </mc:Choice>
@@ -19528,7 +19516,7 @@
           <a:graphicData uri="http://schemas.openxmlformats.org/presentationml/2006/ole">
             <mc:AlternateContent xmlns:mc="http://schemas.openxmlformats.org/markup-compatibility/2006">
               <mc:Choice xmlns:v="urn:schemas-microsoft-com:vml" Requires="v">
-                <p:oleObj spid="_x0000_s2254" name="Visio" r:id="rId4" imgW="4594388" imgH="2683753" progId="Visio.Drawing.11">
+                <p:oleObj spid="_x0000_s2257" name="Visio" r:id="rId4" imgW="4594388" imgH="2683753" progId="Visio.Drawing.11">
                   <p:embed/>
                 </p:oleObj>
               </mc:Choice>
@@ -33313,7 +33301,350 @@
   <p:timing>
     <p:tnLst>
       <p:par>
-        <p:cTn id="1" dur="indefinite" restart="never" nodeType="tmRoot"/>
+        <p:cTn id="1" dur="indefinite" restart="never" nodeType="tmRoot">
+          <p:childTnLst>
+            <p:seq concurrent="1" nextAc="seek">
+              <p:cTn id="2" dur="indefinite" nodeType="mainSeq">
+                <p:childTnLst>
+                  <p:par>
+                    <p:cTn id="3" fill="hold">
+                      <p:stCondLst>
+                        <p:cond delay="indefinite"/>
+                      </p:stCondLst>
+                      <p:childTnLst>
+                        <p:par>
+                          <p:cTn id="4" fill="hold">
+                            <p:stCondLst>
+                              <p:cond delay="0"/>
+                            </p:stCondLst>
+                            <p:childTnLst>
+                              <p:par>
+                                <p:cTn id="5" presetID="1" presetClass="entr" presetSubtype="0" fill="hold" nodeType="clickEffect">
+                                  <p:stCondLst>
+                                    <p:cond delay="0"/>
+                                  </p:stCondLst>
+                                  <p:childTnLst>
+                                    <p:set>
+                                      <p:cBhvr>
+                                        <p:cTn id="6" dur="1" fill="hold">
+                                          <p:stCondLst>
+                                            <p:cond delay="0"/>
+                                          </p:stCondLst>
+                                        </p:cTn>
+                                        <p:tgtEl>
+                                          <p:spTgt spid="3">
+                                            <p:txEl>
+                                              <p:pRg st="0" end="0"/>
+                                            </p:txEl>
+                                          </p:spTgt>
+                                        </p:tgtEl>
+                                        <p:attrNameLst>
+                                          <p:attrName>style.visibility</p:attrName>
+                                        </p:attrNameLst>
+                                      </p:cBhvr>
+                                      <p:to>
+                                        <p:strVal val="visible"/>
+                                      </p:to>
+                                    </p:set>
+                                  </p:childTnLst>
+                                </p:cTn>
+                              </p:par>
+                            </p:childTnLst>
+                          </p:cTn>
+                        </p:par>
+                      </p:childTnLst>
+                    </p:cTn>
+                  </p:par>
+                  <p:par>
+                    <p:cTn id="7" fill="hold">
+                      <p:stCondLst>
+                        <p:cond delay="indefinite"/>
+                      </p:stCondLst>
+                      <p:childTnLst>
+                        <p:par>
+                          <p:cTn id="8" fill="hold">
+                            <p:stCondLst>
+                              <p:cond delay="0"/>
+                            </p:stCondLst>
+                            <p:childTnLst>
+                              <p:par>
+                                <p:cTn id="9" presetID="1" presetClass="entr" presetSubtype="0" fill="hold" nodeType="clickEffect">
+                                  <p:stCondLst>
+                                    <p:cond delay="0"/>
+                                  </p:stCondLst>
+                                  <p:childTnLst>
+                                    <p:set>
+                                      <p:cBhvr>
+                                        <p:cTn id="10" dur="1" fill="hold">
+                                          <p:stCondLst>
+                                            <p:cond delay="0"/>
+                                          </p:stCondLst>
+                                        </p:cTn>
+                                        <p:tgtEl>
+                                          <p:spTgt spid="3">
+                                            <p:txEl>
+                                              <p:pRg st="1" end="1"/>
+                                            </p:txEl>
+                                          </p:spTgt>
+                                        </p:tgtEl>
+                                        <p:attrNameLst>
+                                          <p:attrName>style.visibility</p:attrName>
+                                        </p:attrNameLst>
+                                      </p:cBhvr>
+                                      <p:to>
+                                        <p:strVal val="visible"/>
+                                      </p:to>
+                                    </p:set>
+                                  </p:childTnLst>
+                                </p:cTn>
+                              </p:par>
+                              <p:par>
+                                <p:cTn id="11" presetID="1" presetClass="entr" presetSubtype="0" fill="hold" nodeType="withEffect">
+                                  <p:stCondLst>
+                                    <p:cond delay="0"/>
+                                  </p:stCondLst>
+                                  <p:childTnLst>
+                                    <p:set>
+                                      <p:cBhvr>
+                                        <p:cTn id="12" dur="1" fill="hold">
+                                          <p:stCondLst>
+                                            <p:cond delay="0"/>
+                                          </p:stCondLst>
+                                        </p:cTn>
+                                        <p:tgtEl>
+                                          <p:spTgt spid="3">
+                                            <p:txEl>
+                                              <p:pRg st="2" end="2"/>
+                                            </p:txEl>
+                                          </p:spTgt>
+                                        </p:tgtEl>
+                                        <p:attrNameLst>
+                                          <p:attrName>style.visibility</p:attrName>
+                                        </p:attrNameLst>
+                                      </p:cBhvr>
+                                      <p:to>
+                                        <p:strVal val="visible"/>
+                                      </p:to>
+                                    </p:set>
+                                  </p:childTnLst>
+                                </p:cTn>
+                              </p:par>
+                              <p:par>
+                                <p:cTn id="13" presetID="1" presetClass="entr" presetSubtype="0" fill="hold" nodeType="withEffect">
+                                  <p:stCondLst>
+                                    <p:cond delay="0"/>
+                                  </p:stCondLst>
+                                  <p:childTnLst>
+                                    <p:set>
+                                      <p:cBhvr>
+                                        <p:cTn id="14" dur="1" fill="hold">
+                                          <p:stCondLst>
+                                            <p:cond delay="0"/>
+                                          </p:stCondLst>
+                                        </p:cTn>
+                                        <p:tgtEl>
+                                          <p:spTgt spid="3">
+                                            <p:txEl>
+                                              <p:pRg st="3" end="3"/>
+                                            </p:txEl>
+                                          </p:spTgt>
+                                        </p:tgtEl>
+                                        <p:attrNameLst>
+                                          <p:attrName>style.visibility</p:attrName>
+                                        </p:attrNameLst>
+                                      </p:cBhvr>
+                                      <p:to>
+                                        <p:strVal val="visible"/>
+                                      </p:to>
+                                    </p:set>
+                                  </p:childTnLst>
+                                </p:cTn>
+                              </p:par>
+                              <p:par>
+                                <p:cTn id="15" presetID="1" presetClass="entr" presetSubtype="0" fill="hold" nodeType="withEffect">
+                                  <p:stCondLst>
+                                    <p:cond delay="0"/>
+                                  </p:stCondLst>
+                                  <p:childTnLst>
+                                    <p:set>
+                                      <p:cBhvr>
+                                        <p:cTn id="16" dur="1" fill="hold">
+                                          <p:stCondLst>
+                                            <p:cond delay="0"/>
+                                          </p:stCondLst>
+                                        </p:cTn>
+                                        <p:tgtEl>
+                                          <p:spTgt spid="3">
+                                            <p:txEl>
+                                              <p:pRg st="4" end="4"/>
+                                            </p:txEl>
+                                          </p:spTgt>
+                                        </p:tgtEl>
+                                        <p:attrNameLst>
+                                          <p:attrName>style.visibility</p:attrName>
+                                        </p:attrNameLst>
+                                      </p:cBhvr>
+                                      <p:to>
+                                        <p:strVal val="visible"/>
+                                      </p:to>
+                                    </p:set>
+                                  </p:childTnLst>
+                                </p:cTn>
+                              </p:par>
+                            </p:childTnLst>
+                          </p:cTn>
+                        </p:par>
+                      </p:childTnLst>
+                    </p:cTn>
+                  </p:par>
+                  <p:par>
+                    <p:cTn id="17" fill="hold">
+                      <p:stCondLst>
+                        <p:cond delay="indefinite"/>
+                      </p:stCondLst>
+                      <p:childTnLst>
+                        <p:par>
+                          <p:cTn id="18" fill="hold">
+                            <p:stCondLst>
+                              <p:cond delay="0"/>
+                            </p:stCondLst>
+                            <p:childTnLst>
+                              <p:par>
+                                <p:cTn id="19" presetID="1" presetClass="entr" presetSubtype="0" fill="hold" nodeType="clickEffect">
+                                  <p:stCondLst>
+                                    <p:cond delay="0"/>
+                                  </p:stCondLst>
+                                  <p:childTnLst>
+                                    <p:set>
+                                      <p:cBhvr>
+                                        <p:cTn id="20" dur="1" fill="hold">
+                                          <p:stCondLst>
+                                            <p:cond delay="0"/>
+                                          </p:stCondLst>
+                                        </p:cTn>
+                                        <p:tgtEl>
+                                          <p:spTgt spid="3">
+                                            <p:txEl>
+                                              <p:pRg st="5" end="5"/>
+                                            </p:txEl>
+                                          </p:spTgt>
+                                        </p:tgtEl>
+                                        <p:attrNameLst>
+                                          <p:attrName>style.visibility</p:attrName>
+                                        </p:attrNameLst>
+                                      </p:cBhvr>
+                                      <p:to>
+                                        <p:strVal val="visible"/>
+                                      </p:to>
+                                    </p:set>
+                                  </p:childTnLst>
+                                </p:cTn>
+                              </p:par>
+                              <p:par>
+                                <p:cTn id="21" presetID="1" presetClass="entr" presetSubtype="0" fill="hold" nodeType="withEffect">
+                                  <p:stCondLst>
+                                    <p:cond delay="0"/>
+                                  </p:stCondLst>
+                                  <p:childTnLst>
+                                    <p:set>
+                                      <p:cBhvr>
+                                        <p:cTn id="22" dur="1" fill="hold">
+                                          <p:stCondLst>
+                                            <p:cond delay="0"/>
+                                          </p:stCondLst>
+                                        </p:cTn>
+                                        <p:tgtEl>
+                                          <p:spTgt spid="3">
+                                            <p:txEl>
+                                              <p:pRg st="6" end="6"/>
+                                            </p:txEl>
+                                          </p:spTgt>
+                                        </p:tgtEl>
+                                        <p:attrNameLst>
+                                          <p:attrName>style.visibility</p:attrName>
+                                        </p:attrNameLst>
+                                      </p:cBhvr>
+                                      <p:to>
+                                        <p:strVal val="visible"/>
+                                      </p:to>
+                                    </p:set>
+                                  </p:childTnLst>
+                                </p:cTn>
+                              </p:par>
+                            </p:childTnLst>
+                          </p:cTn>
+                        </p:par>
+                      </p:childTnLst>
+                    </p:cTn>
+                  </p:par>
+                  <p:par>
+                    <p:cTn id="23" fill="hold">
+                      <p:stCondLst>
+                        <p:cond delay="indefinite"/>
+                      </p:stCondLst>
+                      <p:childTnLst>
+                        <p:par>
+                          <p:cTn id="24" fill="hold">
+                            <p:stCondLst>
+                              <p:cond delay="0"/>
+                            </p:stCondLst>
+                            <p:childTnLst>
+                              <p:par>
+                                <p:cTn id="25" presetID="1" presetClass="entr" presetSubtype="0" fill="hold" nodeType="clickEffect">
+                                  <p:stCondLst>
+                                    <p:cond delay="0"/>
+                                  </p:stCondLst>
+                                  <p:childTnLst>
+                                    <p:set>
+                                      <p:cBhvr>
+                                        <p:cTn id="26" dur="1" fill="hold">
+                                          <p:stCondLst>
+                                            <p:cond delay="0"/>
+                                          </p:stCondLst>
+                                        </p:cTn>
+                                        <p:tgtEl>
+                                          <p:spTgt spid="3">
+                                            <p:txEl>
+                                              <p:pRg st="7" end="7"/>
+                                            </p:txEl>
+                                          </p:spTgt>
+                                        </p:tgtEl>
+                                        <p:attrNameLst>
+                                          <p:attrName>style.visibility</p:attrName>
+                                        </p:attrNameLst>
+                                      </p:cBhvr>
+                                      <p:to>
+                                        <p:strVal val="visible"/>
+                                      </p:to>
+                                    </p:set>
+                                  </p:childTnLst>
+                                </p:cTn>
+                              </p:par>
+                            </p:childTnLst>
+                          </p:cTn>
+                        </p:par>
+                      </p:childTnLst>
+                    </p:cTn>
+                  </p:par>
+                </p:childTnLst>
+              </p:cTn>
+              <p:prevCondLst>
+                <p:cond evt="onPrev" delay="0">
+                  <p:tgtEl>
+                    <p:sldTgt/>
+                  </p:tgtEl>
+                </p:cond>
+              </p:prevCondLst>
+              <p:nextCondLst>
+                <p:cond evt="onNext" delay="0">
+                  <p:tgtEl>
+                    <p:sldTgt/>
+                  </p:tgtEl>
+                </p:cond>
+              </p:nextCondLst>
+            </p:seq>
+          </p:childTnLst>
+        </p:cTn>
       </p:par>
     </p:tnLst>
   </p:timing>
@@ -33836,7 +34167,394 @@
   <p:timing>
     <p:tnLst>
       <p:par>
-        <p:cTn id="1" dur="indefinite" restart="never" nodeType="tmRoot"/>
+        <p:cTn id="1" dur="indefinite" restart="never" nodeType="tmRoot">
+          <p:childTnLst>
+            <p:seq concurrent="1" nextAc="seek">
+              <p:cTn id="2" dur="indefinite" nodeType="mainSeq">
+                <p:childTnLst>
+                  <p:par>
+                    <p:cTn id="3" fill="hold">
+                      <p:stCondLst>
+                        <p:cond delay="indefinite"/>
+                      </p:stCondLst>
+                      <p:childTnLst>
+                        <p:par>
+                          <p:cTn id="4" fill="hold">
+                            <p:stCondLst>
+                              <p:cond delay="0"/>
+                            </p:stCondLst>
+                            <p:childTnLst>
+                              <p:par>
+                                <p:cTn id="5" presetID="1" presetClass="entr" presetSubtype="0" fill="hold" nodeType="clickEffect">
+                                  <p:stCondLst>
+                                    <p:cond delay="0"/>
+                                  </p:stCondLst>
+                                  <p:childTnLst>
+                                    <p:set>
+                                      <p:cBhvr>
+                                        <p:cTn id="6" dur="1" fill="hold">
+                                          <p:stCondLst>
+                                            <p:cond delay="0"/>
+                                          </p:stCondLst>
+                                        </p:cTn>
+                                        <p:tgtEl>
+                                          <p:spTgt spid="3">
+                                            <p:txEl>
+                                              <p:pRg st="0" end="0"/>
+                                            </p:txEl>
+                                          </p:spTgt>
+                                        </p:tgtEl>
+                                        <p:attrNameLst>
+                                          <p:attrName>style.visibility</p:attrName>
+                                        </p:attrNameLst>
+                                      </p:cBhvr>
+                                      <p:to>
+                                        <p:strVal val="visible"/>
+                                      </p:to>
+                                    </p:set>
+                                  </p:childTnLst>
+                                </p:cTn>
+                              </p:par>
+                              <p:par>
+                                <p:cTn id="7" presetID="1" presetClass="entr" presetSubtype="0" fill="hold" nodeType="withEffect">
+                                  <p:stCondLst>
+                                    <p:cond delay="0"/>
+                                  </p:stCondLst>
+                                  <p:childTnLst>
+                                    <p:set>
+                                      <p:cBhvr>
+                                        <p:cTn id="8" dur="1" fill="hold">
+                                          <p:stCondLst>
+                                            <p:cond delay="0"/>
+                                          </p:stCondLst>
+                                        </p:cTn>
+                                        <p:tgtEl>
+                                          <p:spTgt spid="3">
+                                            <p:txEl>
+                                              <p:pRg st="1" end="1"/>
+                                            </p:txEl>
+                                          </p:spTgt>
+                                        </p:tgtEl>
+                                        <p:attrNameLst>
+                                          <p:attrName>style.visibility</p:attrName>
+                                        </p:attrNameLst>
+                                      </p:cBhvr>
+                                      <p:to>
+                                        <p:strVal val="visible"/>
+                                      </p:to>
+                                    </p:set>
+                                  </p:childTnLst>
+                                </p:cTn>
+                              </p:par>
+                              <p:par>
+                                <p:cTn id="9" presetID="1" presetClass="entr" presetSubtype="0" fill="hold" nodeType="withEffect">
+                                  <p:stCondLst>
+                                    <p:cond delay="0"/>
+                                  </p:stCondLst>
+                                  <p:childTnLst>
+                                    <p:set>
+                                      <p:cBhvr>
+                                        <p:cTn id="10" dur="1" fill="hold">
+                                          <p:stCondLst>
+                                            <p:cond delay="0"/>
+                                          </p:stCondLst>
+                                        </p:cTn>
+                                        <p:tgtEl>
+                                          <p:spTgt spid="3">
+                                            <p:txEl>
+                                              <p:pRg st="2" end="2"/>
+                                            </p:txEl>
+                                          </p:spTgt>
+                                        </p:tgtEl>
+                                        <p:attrNameLst>
+                                          <p:attrName>style.visibility</p:attrName>
+                                        </p:attrNameLst>
+                                      </p:cBhvr>
+                                      <p:to>
+                                        <p:strVal val="visible"/>
+                                      </p:to>
+                                    </p:set>
+                                  </p:childTnLst>
+                                </p:cTn>
+                              </p:par>
+                              <p:par>
+                                <p:cTn id="11" presetID="1" presetClass="entr" presetSubtype="0" fill="hold" nodeType="withEffect">
+                                  <p:stCondLst>
+                                    <p:cond delay="0"/>
+                                  </p:stCondLst>
+                                  <p:childTnLst>
+                                    <p:set>
+                                      <p:cBhvr>
+                                        <p:cTn id="12" dur="1" fill="hold">
+                                          <p:stCondLst>
+                                            <p:cond delay="0"/>
+                                          </p:stCondLst>
+                                        </p:cTn>
+                                        <p:tgtEl>
+                                          <p:spTgt spid="3">
+                                            <p:txEl>
+                                              <p:pRg st="3" end="3"/>
+                                            </p:txEl>
+                                          </p:spTgt>
+                                        </p:tgtEl>
+                                        <p:attrNameLst>
+                                          <p:attrName>style.visibility</p:attrName>
+                                        </p:attrNameLst>
+                                      </p:cBhvr>
+                                      <p:to>
+                                        <p:strVal val="visible"/>
+                                      </p:to>
+                                    </p:set>
+                                  </p:childTnLst>
+                                </p:cTn>
+                              </p:par>
+                            </p:childTnLst>
+                          </p:cTn>
+                        </p:par>
+                      </p:childTnLst>
+                    </p:cTn>
+                  </p:par>
+                  <p:par>
+                    <p:cTn id="13" fill="hold">
+                      <p:stCondLst>
+                        <p:cond delay="indefinite"/>
+                      </p:stCondLst>
+                      <p:childTnLst>
+                        <p:par>
+                          <p:cTn id="14" fill="hold">
+                            <p:stCondLst>
+                              <p:cond delay="0"/>
+                            </p:stCondLst>
+                            <p:childTnLst>
+                              <p:par>
+                                <p:cTn id="15" presetID="1" presetClass="entr" presetSubtype="0" fill="hold" nodeType="clickEffect">
+                                  <p:stCondLst>
+                                    <p:cond delay="0"/>
+                                  </p:stCondLst>
+                                  <p:childTnLst>
+                                    <p:set>
+                                      <p:cBhvr>
+                                        <p:cTn id="16" dur="1" fill="hold">
+                                          <p:stCondLst>
+                                            <p:cond delay="0"/>
+                                          </p:stCondLst>
+                                        </p:cTn>
+                                        <p:tgtEl>
+                                          <p:spTgt spid="3">
+                                            <p:txEl>
+                                              <p:pRg st="4" end="4"/>
+                                            </p:txEl>
+                                          </p:spTgt>
+                                        </p:tgtEl>
+                                        <p:attrNameLst>
+                                          <p:attrName>style.visibility</p:attrName>
+                                        </p:attrNameLst>
+                                      </p:cBhvr>
+                                      <p:to>
+                                        <p:strVal val="visible"/>
+                                      </p:to>
+                                    </p:set>
+                                  </p:childTnLst>
+                                </p:cTn>
+                              </p:par>
+                              <p:par>
+                                <p:cTn id="17" presetID="1" presetClass="entr" presetSubtype="0" fill="hold" nodeType="withEffect">
+                                  <p:stCondLst>
+                                    <p:cond delay="0"/>
+                                  </p:stCondLst>
+                                  <p:childTnLst>
+                                    <p:set>
+                                      <p:cBhvr>
+                                        <p:cTn id="18" dur="1" fill="hold">
+                                          <p:stCondLst>
+                                            <p:cond delay="0"/>
+                                          </p:stCondLst>
+                                        </p:cTn>
+                                        <p:tgtEl>
+                                          <p:spTgt spid="3">
+                                            <p:txEl>
+                                              <p:pRg st="5" end="5"/>
+                                            </p:txEl>
+                                          </p:spTgt>
+                                        </p:tgtEl>
+                                        <p:attrNameLst>
+                                          <p:attrName>style.visibility</p:attrName>
+                                        </p:attrNameLst>
+                                      </p:cBhvr>
+                                      <p:to>
+                                        <p:strVal val="visible"/>
+                                      </p:to>
+                                    </p:set>
+                                  </p:childTnLst>
+                                </p:cTn>
+                              </p:par>
+                              <p:par>
+                                <p:cTn id="19" presetID="1" presetClass="entr" presetSubtype="0" fill="hold" nodeType="withEffect">
+                                  <p:stCondLst>
+                                    <p:cond delay="0"/>
+                                  </p:stCondLst>
+                                  <p:childTnLst>
+                                    <p:set>
+                                      <p:cBhvr>
+                                        <p:cTn id="20" dur="1" fill="hold">
+                                          <p:stCondLst>
+                                            <p:cond delay="0"/>
+                                          </p:stCondLst>
+                                        </p:cTn>
+                                        <p:tgtEl>
+                                          <p:spTgt spid="3">
+                                            <p:txEl>
+                                              <p:pRg st="6" end="6"/>
+                                            </p:txEl>
+                                          </p:spTgt>
+                                        </p:tgtEl>
+                                        <p:attrNameLst>
+                                          <p:attrName>style.visibility</p:attrName>
+                                        </p:attrNameLst>
+                                      </p:cBhvr>
+                                      <p:to>
+                                        <p:strVal val="visible"/>
+                                      </p:to>
+                                    </p:set>
+                                  </p:childTnLst>
+                                </p:cTn>
+                              </p:par>
+                              <p:par>
+                                <p:cTn id="21" presetID="1" presetClass="entr" presetSubtype="0" fill="hold" nodeType="withEffect">
+                                  <p:stCondLst>
+                                    <p:cond delay="0"/>
+                                  </p:stCondLst>
+                                  <p:childTnLst>
+                                    <p:set>
+                                      <p:cBhvr>
+                                        <p:cTn id="22" dur="1" fill="hold">
+                                          <p:stCondLst>
+                                            <p:cond delay="0"/>
+                                          </p:stCondLst>
+                                        </p:cTn>
+                                        <p:tgtEl>
+                                          <p:spTgt spid="3">
+                                            <p:txEl>
+                                              <p:pRg st="7" end="7"/>
+                                            </p:txEl>
+                                          </p:spTgt>
+                                        </p:tgtEl>
+                                        <p:attrNameLst>
+                                          <p:attrName>style.visibility</p:attrName>
+                                        </p:attrNameLst>
+                                      </p:cBhvr>
+                                      <p:to>
+                                        <p:strVal val="visible"/>
+                                      </p:to>
+                                    </p:set>
+                                  </p:childTnLst>
+                                </p:cTn>
+                              </p:par>
+                            </p:childTnLst>
+                          </p:cTn>
+                        </p:par>
+                      </p:childTnLst>
+                    </p:cTn>
+                  </p:par>
+                  <p:par>
+                    <p:cTn id="23" fill="hold">
+                      <p:stCondLst>
+                        <p:cond delay="indefinite"/>
+                      </p:stCondLst>
+                      <p:childTnLst>
+                        <p:par>
+                          <p:cTn id="24" fill="hold">
+                            <p:stCondLst>
+                              <p:cond delay="0"/>
+                            </p:stCondLst>
+                            <p:childTnLst>
+                              <p:par>
+                                <p:cTn id="25" presetID="1" presetClass="entr" presetSubtype="0" fill="hold" nodeType="clickEffect">
+                                  <p:stCondLst>
+                                    <p:cond delay="0"/>
+                                  </p:stCondLst>
+                                  <p:childTnLst>
+                                    <p:set>
+                                      <p:cBhvr>
+                                        <p:cTn id="26" dur="1" fill="hold">
+                                          <p:stCondLst>
+                                            <p:cond delay="0"/>
+                                          </p:stCondLst>
+                                        </p:cTn>
+                                        <p:tgtEl>
+                                          <p:spTgt spid="3">
+                                            <p:txEl>
+                                              <p:pRg st="8" end="8"/>
+                                            </p:txEl>
+                                          </p:spTgt>
+                                        </p:tgtEl>
+                                        <p:attrNameLst>
+                                          <p:attrName>style.visibility</p:attrName>
+                                        </p:attrNameLst>
+                                      </p:cBhvr>
+                                      <p:to>
+                                        <p:strVal val="visible"/>
+                                      </p:to>
+                                    </p:set>
+                                  </p:childTnLst>
+                                </p:cTn>
+                              </p:par>
+                              <p:par>
+                                <p:cTn id="27" presetID="1" presetClass="entr" presetSubtype="0" fill="hold" nodeType="withEffect">
+                                  <p:stCondLst>
+                                    <p:cond delay="0"/>
+                                  </p:stCondLst>
+                                  <p:childTnLst>
+                                    <p:set>
+                                      <p:cBhvr>
+                                        <p:cTn id="28" dur="1" fill="hold">
+                                          <p:stCondLst>
+                                            <p:cond delay="0"/>
+                                          </p:stCondLst>
+                                        </p:cTn>
+                                        <p:tgtEl>
+                                          <p:spTgt spid="3">
+                                            <p:txEl>
+                                              <p:pRg st="9" end="9"/>
+                                            </p:txEl>
+                                          </p:spTgt>
+                                        </p:tgtEl>
+                                        <p:attrNameLst>
+                                          <p:attrName>style.visibility</p:attrName>
+                                        </p:attrNameLst>
+                                      </p:cBhvr>
+                                      <p:to>
+                                        <p:strVal val="visible"/>
+                                      </p:to>
+                                    </p:set>
+                                  </p:childTnLst>
+                                </p:cTn>
+                              </p:par>
+                            </p:childTnLst>
+                          </p:cTn>
+                        </p:par>
+                      </p:childTnLst>
+                    </p:cTn>
+                  </p:par>
+                </p:childTnLst>
+              </p:cTn>
+              <p:prevCondLst>
+                <p:cond evt="onPrev" delay="0">
+                  <p:tgtEl>
+                    <p:sldTgt/>
+                  </p:tgtEl>
+                </p:cond>
+              </p:prevCondLst>
+              <p:nextCondLst>
+                <p:cond evt="onNext" delay="0">
+                  <p:tgtEl>
+                    <p:sldTgt/>
+                  </p:tgtEl>
+                </p:cond>
+              </p:nextCondLst>
+            </p:seq>
+          </p:childTnLst>
+        </p:cTn>
       </p:par>
     </p:tnLst>
   </p:timing>
@@ -34779,7 +35497,7 @@
           <a:graphicData uri="http://schemas.openxmlformats.org/presentationml/2006/ole">
             <mc:AlternateContent xmlns:mc="http://schemas.openxmlformats.org/markup-compatibility/2006">
               <mc:Choice xmlns:v="urn:schemas-microsoft-com:vml" Requires="v">
-                <p:oleObj spid="_x0000_s1446" name="Visio" r:id="rId5" imgW="4619204" imgH="1405917" progId="Visio.Drawing.11">
+                <p:oleObj spid="_x0000_s1451" name="Visio" r:id="rId5" imgW="4619204" imgH="1405917" progId="Visio.Drawing.11">
                   <p:embed/>
                 </p:oleObj>
               </mc:Choice>
@@ -35135,7 +35853,7 @@
           <a:graphicData uri="http://schemas.openxmlformats.org/presentationml/2006/ole">
             <mc:AlternateContent xmlns:mc="http://schemas.openxmlformats.org/markup-compatibility/2006">
               <mc:Choice xmlns:v="urn:schemas-microsoft-com:vml" Requires="v">
-                <p:oleObj spid="_x0000_s1447" name="Visio" r:id="rId7" imgW="4594388" imgH="2683753" progId="Visio.Drawing.11">
+                <p:oleObj spid="_x0000_s1452" name="Visio" r:id="rId7" imgW="4594388" imgH="2683753" progId="Visio.Drawing.11">
                   <p:embed/>
                 </p:oleObj>
               </mc:Choice>
@@ -40152,7 +40870,7 @@
           <a:graphicData uri="http://schemas.openxmlformats.org/presentationml/2006/ole">
             <mc:AlternateContent xmlns:mc="http://schemas.openxmlformats.org/markup-compatibility/2006">
               <mc:Choice xmlns:v="urn:schemas-microsoft-com:vml" Requires="v">
-                <p:oleObj spid="_x0000_s3087" name="Visio" r:id="rId3" imgW="4296601" imgH="3470883" progId="Visio.Drawing.11">
+                <p:oleObj spid="_x0000_s3090" name="Visio" r:id="rId3" imgW="4296601" imgH="3470883" progId="Visio.Drawing.11">
                   <p:embed/>
                 </p:oleObj>
               </mc:Choice>
@@ -40307,11 +41025,7 @@
             <a:p>
               <a:r>
                 <a:rPr lang="en-US" altLang="zh-CN" smtClean="0"/>
-                <a:t>User </a:t>
-              </a:r>
-              <a:r>
-                <a:rPr lang="en-US" altLang="zh-CN" smtClean="0"/>
-                <a:t>Requests</a:t>
+                <a:t>User Requests</a:t>
               </a:r>
               <a:endParaRPr lang="zh-CN" altLang="en-US" dirty="0"/>
             </a:p>
